--- a/Lectures/B6.b_Bash-SAMvBAM.pptx
+++ b/Lectures/B6.b_Bash-SAMvBAM.pptx
@@ -1524,7 +1524,7 @@
   <p:cSld>
     <p:spTree>
       <p:nvGrpSpPr>
-        <p:cNvPr id="131" name="Shape 131"/>
+        <p:cNvPr id="132" name="Shape 132"/>
         <p:cNvGrpSpPr/>
         <p:nvPr/>
       </p:nvGrpSpPr>
@@ -1538,7 +1538,7 @@
       </p:grpSpPr>
       <p:sp>
         <p:nvSpPr>
-          <p:cNvPr id="132" name="Google Shape;132;g9d943a0288_0_47:notes"/>
+          <p:cNvPr id="133" name="Google Shape;133;g9d943a0288_0_47:notes"/>
           <p:cNvSpPr/>
           <p:nvPr>
             <p:ph idx="2" type="sldImg"/>
@@ -1573,7 +1573,7 @@
       </p:sp>
       <p:sp>
         <p:nvSpPr>
-          <p:cNvPr id="133" name="Google Shape;133;g9d943a0288_0_47:notes"/>
+          <p:cNvPr id="134" name="Google Shape;134;g9d943a0288_0_47:notes"/>
           <p:cNvSpPr txBox="1"/>
           <p:nvPr>
             <p:ph idx="1" type="body"/>
@@ -10476,6 +10476,32 @@
             <a:endParaRPr/>
           </a:p>
           <a:p>
+            <a:pPr indent="-317500" lvl="1" marL="914400" rtl="0" algn="l">
+              <a:spcBef>
+                <a:spcPts val="0"/>
+              </a:spcBef>
+              <a:spcAft>
+                <a:spcPts val="0"/>
+              </a:spcAft>
+              <a:buSzPts val="1400"/>
+              <a:buAutoNum type="alphaLcPeriod"/>
+            </a:pPr>
+            <a:r>
+              <a:rPr lang="en"/>
+              <a:t>Samtools flags - </a:t>
+            </a:r>
+            <a:r>
+              <a:rPr lang="en" u="sng">
+                <a:solidFill>
+                  <a:schemeClr val="hlink"/>
+                </a:solidFill>
+                <a:hlinkClick r:id="rId3"/>
+              </a:rPr>
+              <a:t>https://broadinstitute.github.io/picard/explain-flags.html</a:t>
+            </a:r>
+            <a:endParaRPr/>
+          </a:p>
+          <a:p>
             <a:pPr indent="-342900" lvl="0" marL="457200" rtl="0" algn="l">
               <a:spcBef>
                 <a:spcPts val="0"/>
@@ -10624,6 +10650,57 @@
             <a:r>
               <a:rPr lang="en"/>
               <a:t>Get number of reads covering each case in the reference sequence</a:t>
+            </a:r>
+            <a:endParaRPr/>
+          </a:p>
+        </p:txBody>
+      </p:sp>
+      <p:sp>
+        <p:nvSpPr>
+          <p:cNvPr id="131" name="Google Shape;131;p20"/>
+          <p:cNvSpPr txBox="1"/>
+          <p:nvPr/>
+        </p:nvSpPr>
+        <p:spPr>
+          <a:xfrm>
+            <a:off x="528250" y="4253825"/>
+            <a:ext cx="6012300" cy="625500"/>
+          </a:xfrm>
+          <a:prstGeom prst="rect">
+            <a:avLst/>
+          </a:prstGeom>
+          <a:noFill/>
+          <a:ln>
+            <a:noFill/>
+          </a:ln>
+        </p:spPr>
+        <p:txBody>
+          <a:bodyPr anchorCtr="0" anchor="t" bIns="91425" lIns="91425" spcFirstLastPara="1" rIns="91425" wrap="square" tIns="91425">
+            <a:noAutofit/>
+          </a:bodyPr>
+          <a:lstStyle/>
+          <a:p>
+            <a:pPr indent="0" lvl="0" marL="0" rtl="0" algn="l">
+              <a:spcBef>
+                <a:spcPts val="0"/>
+              </a:spcBef>
+              <a:spcAft>
+                <a:spcPts val="0"/>
+              </a:spcAft>
+              <a:buNone/>
+            </a:pPr>
+            <a:r>
+              <a:rPr lang="en"/>
+              <a:t>Samtools manual - </a:t>
+            </a:r>
+            <a:r>
+              <a:rPr lang="en" u="sng">
+                <a:solidFill>
+                  <a:schemeClr val="hlink"/>
+                </a:solidFill>
+                <a:hlinkClick r:id="rId4"/>
+              </a:rPr>
+              <a:t>https://www.htslib.org/doc/samtools.html</a:t>
             </a:r>
             <a:endParaRPr/>
           </a:p>
@@ -10642,7 +10719,7 @@
   <p:cSld>
     <p:spTree>
       <p:nvGrpSpPr>
-        <p:cNvPr id="134" name="Shape 134"/>
+        <p:cNvPr id="135" name="Shape 135"/>
         <p:cNvGrpSpPr/>
         <p:nvPr/>
       </p:nvGrpSpPr>
@@ -10656,7 +10733,7 @@
       </p:grpSpPr>
       <p:sp>
         <p:nvSpPr>
-          <p:cNvPr id="135" name="Google Shape;135;p21"/>
+          <p:cNvPr id="136" name="Google Shape;136;p21"/>
           <p:cNvSpPr txBox="1"/>
           <p:nvPr>
             <p:ph type="title"/>
@@ -10704,7 +10781,7 @@
       </p:sp>
       <p:sp>
         <p:nvSpPr>
-          <p:cNvPr id="136" name="Google Shape;136;p21"/>
+          <p:cNvPr id="137" name="Google Shape;137;p21"/>
           <p:cNvSpPr txBox="1"/>
           <p:nvPr>
             <p:ph idx="12" type="sldNum"/>
